--- a/notes/03_Supervised_Classification.pptx
+++ b/notes/03_Supervised_Classification.pptx
@@ -5926,6 +5926,19 @@
               <a:buChar char="o"/>
             </a:pPr>
             <a:r>
+              <a:rPr lang="en-US" sz="2400" dirty="0">
+                <a:latin typeface="Century Gothic" panose="020B0502020202020204" pitchFamily="34" charset="0"/>
+              </a:rPr>
+              <a:t>u</a:t>
+            </a:r>
+            <a:r>
+              <a:rPr lang="en-US" sz="2400" b="0" dirty="0">
+                <a:effectLst/>
+                <a:latin typeface="Century Gothic" panose="020B0502020202020204" pitchFamily="34" charset="0"/>
+              </a:rPr>
+              <a:t>se </a:t>
+            </a:r>
+            <a:r>
               <a:rPr lang="en-US" sz="2400" b="0" dirty="0">
                 <a:solidFill>
                   <a:srgbClr val="9CDCFE"/>
@@ -6215,7 +6228,7 @@
         <p:spPr>
           <a:xfrm>
             <a:off x="1361871" y="1400341"/>
-            <a:ext cx="10272409" cy="1938992"/>
+            <a:ext cx="10272409" cy="3046988"/>
           </a:xfrm>
           <a:prstGeom prst="rect">
             <a:avLst/>
@@ -6508,6 +6521,244 @@
               </a:rPr>
               <a:t>)</a:t>
             </a:r>
+          </a:p>
+          <a:p>
+            <a:pPr marL="457200" indent="-457200">
+              <a:buFont typeface="Wingdings" panose="05000000000000000000" pitchFamily="2" charset="2"/>
+              <a:buChar char="q"/>
+            </a:pPr>
+            <a:r>
+              <a:rPr lang="en-US" sz="2400" dirty="0">
+                <a:latin typeface="Century Gothic" panose="020B0502020202020204" pitchFamily="34" charset="0"/>
+                <a:ea typeface="CMU Sans Serif" panose="02000603000000000000" pitchFamily="2" charset="0"/>
+                <a:cs typeface="CMU Sans Serif" panose="02000603000000000000" pitchFamily="2" charset="0"/>
+              </a:rPr>
+              <a:t>Check the distribution of classes</a:t>
+            </a:r>
+          </a:p>
+          <a:p>
+            <a:pPr marL="914400" lvl="1" indent="-457200">
+              <a:buFont typeface="Courier New" panose="02070309020205020404" pitchFamily="49" charset="0"/>
+              <a:buChar char="o"/>
+            </a:pPr>
+            <a:r>
+              <a:rPr lang="en-US" sz="2400" dirty="0">
+                <a:latin typeface="Century Gothic" panose="020B0502020202020204" pitchFamily="34" charset="0"/>
+                <a:ea typeface="CMU Sans Serif" panose="02000603000000000000" pitchFamily="2" charset="0"/>
+                <a:cs typeface="CMU Sans Serif" panose="02000603000000000000" pitchFamily="2" charset="0"/>
+              </a:rPr>
+              <a:t>use </a:t>
+            </a:r>
+            <a:r>
+              <a:rPr lang="en-PH" sz="2400" b="0" dirty="0" err="1">
+                <a:solidFill>
+                  <a:srgbClr val="4EC9B0"/>
+                </a:solidFill>
+                <a:effectLst/>
+                <a:latin typeface="Consolas" panose="020B0609020204030204" pitchFamily="49" charset="0"/>
+              </a:rPr>
+              <a:t>pd</a:t>
+            </a:r>
+            <a:r>
+              <a:rPr lang="en-PH" sz="2400" b="0" dirty="0" err="1">
+                <a:solidFill>
+                  <a:srgbClr val="CCCCCC"/>
+                </a:solidFill>
+                <a:effectLst/>
+                <a:latin typeface="Consolas" panose="020B0609020204030204" pitchFamily="49" charset="0"/>
+              </a:rPr>
+              <a:t>.</a:t>
+            </a:r>
+            <a:r>
+              <a:rPr lang="en-PH" sz="2400" b="0" dirty="0" err="1">
+                <a:solidFill>
+                  <a:srgbClr val="DCDCAA"/>
+                </a:solidFill>
+                <a:effectLst/>
+                <a:latin typeface="Consolas" panose="020B0609020204030204" pitchFamily="49" charset="0"/>
+              </a:rPr>
+              <a:t>concat</a:t>
+            </a:r>
+            <a:r>
+              <a:rPr lang="en-PH" sz="2400" b="0" dirty="0">
+                <a:solidFill>
+                  <a:srgbClr val="CCCCCC"/>
+                </a:solidFill>
+                <a:effectLst/>
+                <a:latin typeface="Consolas" panose="020B0609020204030204" pitchFamily="49" charset="0"/>
+              </a:rPr>
+              <a:t>([</a:t>
+            </a:r>
+            <a:r>
+              <a:rPr lang="en-PH" sz="2400" b="0" dirty="0" err="1">
+                <a:solidFill>
+                  <a:srgbClr val="9CDCFE"/>
+                </a:solidFill>
+                <a:effectLst/>
+                <a:latin typeface="Consolas" panose="020B0609020204030204" pitchFamily="49" charset="0"/>
+              </a:rPr>
+              <a:t>final_features</a:t>
+            </a:r>
+            <a:r>
+              <a:rPr lang="en-PH" sz="2400" b="0" dirty="0">
+                <a:solidFill>
+                  <a:srgbClr val="CCCCCC"/>
+                </a:solidFill>
+                <a:effectLst/>
+                <a:latin typeface="Consolas" panose="020B0609020204030204" pitchFamily="49" charset="0"/>
+              </a:rPr>
+              <a:t>, </a:t>
+            </a:r>
+            <a:r>
+              <a:rPr lang="en-PH" sz="2400" b="0" dirty="0">
+                <a:solidFill>
+                  <a:srgbClr val="9CDCFE"/>
+                </a:solidFill>
+                <a:effectLst/>
+                <a:latin typeface="Consolas" panose="020B0609020204030204" pitchFamily="49" charset="0"/>
+              </a:rPr>
+              <a:t>targets</a:t>
+            </a:r>
+            <a:r>
+              <a:rPr lang="en-PH" sz="2400" b="0" dirty="0">
+                <a:solidFill>
+                  <a:srgbClr val="CCCCCC"/>
+                </a:solidFill>
+                <a:effectLst/>
+                <a:latin typeface="Consolas" panose="020B0609020204030204" pitchFamily="49" charset="0"/>
+              </a:rPr>
+              <a:t>], </a:t>
+            </a:r>
+            <a:r>
+              <a:rPr lang="en-PH" sz="2400" b="0" dirty="0">
+                <a:solidFill>
+                  <a:srgbClr val="9CDCFE"/>
+                </a:solidFill>
+                <a:effectLst/>
+                <a:latin typeface="Consolas" panose="020B0609020204030204" pitchFamily="49" charset="0"/>
+              </a:rPr>
+              <a:t>axis</a:t>
+            </a:r>
+            <a:r>
+              <a:rPr lang="en-PH" sz="2400" b="0" dirty="0">
+                <a:solidFill>
+                  <a:srgbClr val="D4D4D4"/>
+                </a:solidFill>
+                <a:effectLst/>
+                <a:latin typeface="Consolas" panose="020B0609020204030204" pitchFamily="49" charset="0"/>
+              </a:rPr>
+              <a:t>=</a:t>
+            </a:r>
+            <a:r>
+              <a:rPr lang="en-PH" sz="2400" b="0" dirty="0">
+                <a:solidFill>
+                  <a:srgbClr val="B5CEA8"/>
+                </a:solidFill>
+                <a:effectLst/>
+                <a:latin typeface="Consolas" panose="020B0609020204030204" pitchFamily="49" charset="0"/>
+              </a:rPr>
+              <a:t>1</a:t>
+            </a:r>
+            <a:r>
+              <a:rPr lang="en-PH" sz="2400" b="0" dirty="0">
+                <a:solidFill>
+                  <a:srgbClr val="CCCCCC"/>
+                </a:solidFill>
+                <a:effectLst/>
+                <a:latin typeface="Consolas" panose="020B0609020204030204" pitchFamily="49" charset="0"/>
+              </a:rPr>
+              <a:t>).</a:t>
+            </a:r>
+            <a:r>
+              <a:rPr lang="en-PH" sz="2400" b="0" dirty="0" err="1">
+                <a:solidFill>
+                  <a:srgbClr val="DCDCAA"/>
+                </a:solidFill>
+                <a:effectLst/>
+                <a:latin typeface="Consolas" panose="020B0609020204030204" pitchFamily="49" charset="0"/>
+              </a:rPr>
+              <a:t>groupby</a:t>
+            </a:r>
+            <a:r>
+              <a:rPr lang="en-PH" sz="2400" b="0" dirty="0">
+                <a:solidFill>
+                  <a:srgbClr val="CCCCCC"/>
+                </a:solidFill>
+                <a:effectLst/>
+                <a:latin typeface="Consolas" panose="020B0609020204030204" pitchFamily="49" charset="0"/>
+              </a:rPr>
+              <a:t>(</a:t>
+            </a:r>
+            <a:r>
+              <a:rPr lang="en-PH" sz="2400" b="0" dirty="0">
+                <a:solidFill>
+                  <a:srgbClr val="CE9178"/>
+                </a:solidFill>
+                <a:effectLst/>
+                <a:latin typeface="Consolas" panose="020B0609020204030204" pitchFamily="49" charset="0"/>
+              </a:rPr>
+              <a:t>‘P_HA…'</a:t>
+            </a:r>
+            <a:r>
+              <a:rPr lang="en-PH" sz="2400" b="0" dirty="0">
+                <a:solidFill>
+                  <a:srgbClr val="CCCCCC"/>
+                </a:solidFill>
+                <a:effectLst/>
+                <a:latin typeface="Consolas" panose="020B0609020204030204" pitchFamily="49" charset="0"/>
+              </a:rPr>
+              <a:t>).</a:t>
+            </a:r>
+            <a:r>
+              <a:rPr lang="en-PH" sz="2400" b="0" dirty="0">
+                <a:solidFill>
+                  <a:srgbClr val="DCDCAA"/>
+                </a:solidFill>
+                <a:effectLst/>
+                <a:latin typeface="Consolas" panose="020B0609020204030204" pitchFamily="49" charset="0"/>
+              </a:rPr>
+              <a:t>describe</a:t>
+            </a:r>
+            <a:r>
+              <a:rPr lang="en-PH" sz="2400" b="0" dirty="0">
+                <a:solidFill>
+                  <a:srgbClr val="CCCCCC"/>
+                </a:solidFill>
+                <a:effectLst/>
+                <a:latin typeface="Consolas" panose="020B0609020204030204" pitchFamily="49" charset="0"/>
+              </a:rPr>
+              <a:t>(</a:t>
+            </a:r>
+            <a:r>
+              <a:rPr lang="en-PH" sz="2400" b="0" dirty="0">
+                <a:solidFill>
+                  <a:srgbClr val="9CDCFE"/>
+                </a:solidFill>
+                <a:effectLst/>
+                <a:latin typeface="Consolas" panose="020B0609020204030204" pitchFamily="49" charset="0"/>
+              </a:rPr>
+              <a:t>percentiles</a:t>
+            </a:r>
+            <a:r>
+              <a:rPr lang="en-PH" sz="2400" b="0" dirty="0">
+                <a:solidFill>
+                  <a:srgbClr val="D4D4D4"/>
+                </a:solidFill>
+                <a:effectLst/>
+                <a:latin typeface="Consolas" panose="020B0609020204030204" pitchFamily="49" charset="0"/>
+              </a:rPr>
+              <a:t>=</a:t>
+            </a:r>
+            <a:r>
+              <a:rPr lang="en-PH" sz="2400" b="0" dirty="0">
+                <a:solidFill>
+                  <a:srgbClr val="CCCCCC"/>
+                </a:solidFill>
+                <a:effectLst/>
+                <a:latin typeface="Consolas" panose="020B0609020204030204" pitchFamily="49" charset="0"/>
+              </a:rPr>
+              <a:t>[])</a:t>
+            </a:r>
             <a:endParaRPr lang="en-US" sz="2400" dirty="0">
               <a:latin typeface="Century Gothic" panose="020B0502020202020204" pitchFamily="34" charset="0"/>
               <a:ea typeface="CMU Sans Serif" panose="02000603000000000000" pitchFamily="2" charset="0"/>
@@ -6520,18 +6771,13 @@
               <a:buChar char="q"/>
             </a:pPr>
             <a:r>
-              <a:rPr lang="en-US" sz="2400">
+              <a:rPr lang="en-US" sz="2400" dirty="0">
                 <a:latin typeface="Century Gothic" panose="020B0502020202020204" pitchFamily="34" charset="0"/>
                 <a:ea typeface="CMU Sans Serif" panose="02000603000000000000" pitchFamily="2" charset="0"/>
                 <a:cs typeface="CMU Sans Serif" panose="02000603000000000000" pitchFamily="2" charset="0"/>
               </a:rPr>
-              <a:t>…</a:t>
-            </a:r>
-            <a:endParaRPr lang="en-US" sz="2400" dirty="0">
-              <a:latin typeface="Century Gothic" panose="020B0502020202020204" pitchFamily="34" charset="0"/>
-              <a:ea typeface="CMU Sans Serif" panose="02000603000000000000" pitchFamily="2" charset="0"/>
-              <a:cs typeface="CMU Sans Serif" panose="02000603000000000000" pitchFamily="2" charset="0"/>
-            </a:endParaRPr>
+              <a:t>Visualize the distribution</a:t>
+            </a:r>
           </a:p>
         </p:txBody>
       </p:sp>
